--- a/Игра «Подземелье».pptx
+++ b/Игра «Подземелье».pptx
@@ -7,6 +7,7 @@
   <p:sldIdLst>
     <p:sldId id="256" r:id="rId2"/>
     <p:sldId id="257" r:id="rId3"/>
+    <p:sldId id="258" r:id="rId4"/>
   </p:sldIdLst>
   <p:sldSz cx="12192000" cy="6858000"/>
   <p:notesSz cx="6858000" cy="9144000"/>
@@ -105,6 +106,11 @@
       </a:defRPr>
     </a:lvl9pPr>
   </p:defaultTextStyle>
+  <p:extLst>
+    <p:ext uri="{EFAFB233-063F-42B5-8137-9DF3F51BA10A}">
+      <p15:sldGuideLst xmlns:p15="http://schemas.microsoft.com/office/powerpoint/2012/main"/>
+    </p:ext>
+  </p:extLst>
 </p:presentation>
 </file>
 
@@ -278,7 +284,7 @@
           <a:p>
             <a:fld id="{48A87A34-81AB-432B-8DAE-1953F412C126}" type="datetimeFigureOut">
               <a:rPr lang="en-US" dirty="0"/>
-              <a:t>1/9/2022</a:t>
+              <a:t>1/16/2022</a:t>
             </a:fld>
             <a:endParaRPr lang="en-US" dirty="0"/>
           </a:p>
@@ -540,7 +546,7 @@
           <a:p>
             <a:fld id="{48A87A34-81AB-432B-8DAE-1953F412C126}" type="datetimeFigureOut">
               <a:rPr lang="en-US" dirty="0"/>
-              <a:t>1/9/2022</a:t>
+              <a:t>1/16/2022</a:t>
             </a:fld>
             <a:endParaRPr lang="en-US" dirty="0"/>
           </a:p>
@@ -767,7 +773,7 @@
             <a:fld id="{48A87A34-81AB-432B-8DAE-1953F412C126}" type="datetimeFigureOut">
               <a:rPr lang="en-US" dirty="0"/>
               <a:pPr/>
-              <a:t>1/9/2022</a:t>
+              <a:t>1/16/2022</a:t>
             </a:fld>
             <a:endParaRPr lang="en-US" dirty="0"/>
           </a:p>
@@ -1073,7 +1079,7 @@
             <a:fld id="{48A87A34-81AB-432B-8DAE-1953F412C126}" type="datetimeFigureOut">
               <a:rPr lang="en-US" dirty="0"/>
               <a:pPr/>
-              <a:t>1/9/2022</a:t>
+              <a:t>1/16/2022</a:t>
             </a:fld>
             <a:endParaRPr lang="en-US" dirty="0"/>
           </a:p>
@@ -1542,7 +1548,7 @@
             <a:fld id="{48A87A34-81AB-432B-8DAE-1953F412C126}" type="datetimeFigureOut">
               <a:rPr lang="en-US" dirty="0"/>
               <a:pPr/>
-              <a:t>1/9/2022</a:t>
+              <a:t>1/16/2022</a:t>
             </a:fld>
             <a:endParaRPr lang="en-US" dirty="0"/>
           </a:p>
@@ -2084,7 +2090,7 @@
           <a:p>
             <a:fld id="{48A87A34-81AB-432B-8DAE-1953F412C126}" type="datetimeFigureOut">
               <a:rPr lang="en-US" dirty="0"/>
-              <a:t>1/9/2022</a:t>
+              <a:t>1/16/2022</a:t>
             </a:fld>
             <a:endParaRPr lang="en-US" dirty="0"/>
           </a:p>
@@ -2853,7 +2859,7 @@
           <a:p>
             <a:fld id="{48A87A34-81AB-432B-8DAE-1953F412C126}" type="datetimeFigureOut">
               <a:rPr lang="en-US" dirty="0"/>
-              <a:t>1/9/2022</a:t>
+              <a:t>1/16/2022</a:t>
             </a:fld>
             <a:endParaRPr lang="en-US" dirty="0"/>
           </a:p>
@@ -3023,7 +3029,7 @@
           <a:p>
             <a:fld id="{48A87A34-81AB-432B-8DAE-1953F412C126}" type="datetimeFigureOut">
               <a:rPr lang="en-US" dirty="0"/>
-              <a:t>1/9/2022</a:t>
+              <a:t>1/16/2022</a:t>
             </a:fld>
             <a:endParaRPr lang="en-US" dirty="0"/>
           </a:p>
@@ -3242,7 +3248,7 @@
             <a:fld id="{48A87A34-81AB-432B-8DAE-1953F412C126}" type="datetimeFigureOut">
               <a:rPr lang="en-US" dirty="0"/>
               <a:pPr/>
-              <a:t>1/9/2022</a:t>
+              <a:t>1/16/2022</a:t>
             </a:fld>
             <a:endParaRPr lang="en-US" dirty="0"/>
           </a:p>
@@ -3417,7 +3423,7 @@
           <a:p>
             <a:fld id="{48A87A34-81AB-432B-8DAE-1953F412C126}" type="datetimeFigureOut">
               <a:rPr lang="en-US" dirty="0"/>
-              <a:t>1/9/2022</a:t>
+              <a:t>1/16/2022</a:t>
             </a:fld>
             <a:endParaRPr lang="en-US" dirty="0"/>
           </a:p>
@@ -3702,7 +3708,7 @@
             <a:fld id="{48A87A34-81AB-432B-8DAE-1953F412C126}" type="datetimeFigureOut">
               <a:rPr lang="en-US" dirty="0"/>
               <a:pPr/>
-              <a:t>1/9/2022</a:t>
+              <a:t>1/16/2022</a:t>
             </a:fld>
             <a:endParaRPr lang="en-US" dirty="0"/>
           </a:p>
@@ -3939,7 +3945,7 @@
           <a:p>
             <a:fld id="{48A87A34-81AB-432B-8DAE-1953F412C126}" type="datetimeFigureOut">
               <a:rPr lang="en-US" dirty="0"/>
-              <a:t>1/9/2022</a:t>
+              <a:t>1/16/2022</a:t>
             </a:fld>
             <a:endParaRPr lang="en-US" dirty="0"/>
           </a:p>
@@ -4313,7 +4319,7 @@
           <a:p>
             <a:fld id="{48A87A34-81AB-432B-8DAE-1953F412C126}" type="datetimeFigureOut">
               <a:rPr lang="en-US" dirty="0"/>
-              <a:t>1/9/2022</a:t>
+              <a:t>1/16/2022</a:t>
             </a:fld>
             <a:endParaRPr lang="en-US" dirty="0"/>
           </a:p>
@@ -4426,7 +4432,7 @@
           <a:p>
             <a:fld id="{48A87A34-81AB-432B-8DAE-1953F412C126}" type="datetimeFigureOut">
               <a:rPr lang="en-US" dirty="0"/>
-              <a:t>1/9/2022</a:t>
+              <a:t>1/16/2022</a:t>
             </a:fld>
             <a:endParaRPr lang="en-US" dirty="0"/>
           </a:p>
@@ -4516,7 +4522,7 @@
           <a:p>
             <a:fld id="{48A87A34-81AB-432B-8DAE-1953F412C126}" type="datetimeFigureOut">
               <a:rPr lang="en-US" dirty="0"/>
-              <a:t>1/9/2022</a:t>
+              <a:t>1/16/2022</a:t>
             </a:fld>
             <a:endParaRPr lang="en-US" dirty="0"/>
           </a:p>
@@ -4760,7 +4766,7 @@
           <a:p>
             <a:fld id="{48A87A34-81AB-432B-8DAE-1953F412C126}" type="datetimeFigureOut">
               <a:rPr lang="en-US" dirty="0"/>
-              <a:t>1/9/2022</a:t>
+              <a:t>1/16/2022</a:t>
             </a:fld>
             <a:endParaRPr lang="en-US" dirty="0"/>
           </a:p>
@@ -5012,7 +5018,7 @@
           <a:p>
             <a:fld id="{48A87A34-81AB-432B-8DAE-1953F412C126}" type="datetimeFigureOut">
               <a:rPr lang="en-US" dirty="0"/>
-              <a:t>1/9/2022</a:t>
+              <a:t>1/16/2022</a:t>
             </a:fld>
             <a:endParaRPr lang="en-US" dirty="0"/>
           </a:p>
@@ -5251,7 +5257,7 @@
             <a:fld id="{48A87A34-81AB-432B-8DAE-1953F412C126}" type="datetimeFigureOut">
               <a:rPr lang="en-US" dirty="0"/>
               <a:pPr/>
-              <a:t>1/9/2022</a:t>
+              <a:t>1/16/2022</a:t>
             </a:fld>
             <a:endParaRPr lang="en-US" dirty="0"/>
           </a:p>
@@ -5764,25 +5770,35 @@
           </a:p>
         </p:txBody>
       </p:sp>
-      <p:sp>
-        <p:nvSpPr>
-          <p:cNvPr id="3" name="Объект 2"/>
-          <p:cNvSpPr>
-            <a:spLocks noGrp="1"/>
-          </p:cNvSpPr>
+      <p:pic>
+        <p:nvPicPr>
+          <p:cNvPr id="5" name="Объект 4"/>
+          <p:cNvPicPr>
+            <a:picLocks noGrp="1" noChangeAspect="1"/>
+          </p:cNvPicPr>
           <p:nvPr>
             <p:ph idx="1"/>
           </p:nvPr>
-        </p:nvSpPr>
-        <p:spPr/>
-        <p:txBody>
-          <a:bodyPr/>
-          <a:lstStyle/>
-          <a:p>
-            <a:endParaRPr lang="ru-RU"/>
-          </a:p>
-        </p:txBody>
-      </p:sp>
+        </p:nvPicPr>
+        <p:blipFill>
+          <a:blip r:embed="rId2">
+            <a:extLst>
+              <a:ext uri="{28A0092B-C50C-407E-A947-70E740481C1C}">
+                <a14:useLocalDpi xmlns:a14="http://schemas.microsoft.com/office/drawing/2010/main" val="0"/>
+              </a:ext>
+            </a:extLst>
+          </a:blip>
+          <a:stretch>
+            <a:fillRect/>
+          </a:stretch>
+        </p:blipFill>
+        <p:spPr>
+          <a:xfrm>
+            <a:off x="4920362" y="1567259"/>
+            <a:ext cx="6510337" cy="3662064"/>
+          </a:xfrm>
+        </p:spPr>
+      </p:pic>
       <p:sp>
         <p:nvSpPr>
           <p:cNvPr id="4" name="Текст 3"/>
@@ -5825,6 +5841,165 @@
     <p:extLst>
       <p:ext uri="{BB962C8B-B14F-4D97-AF65-F5344CB8AC3E}">
         <p14:creationId xmlns:p14="http://schemas.microsoft.com/office/powerpoint/2010/main" val="2119753765"/>
+      </p:ext>
+    </p:extLst>
+  </p:cSld>
+  <p:clrMapOvr>
+    <a:masterClrMapping/>
+  </p:clrMapOvr>
+</p:sld>
+</file>
+
+<file path=ppt/slides/slide3.xml><?xml version="1.0" encoding="utf-8"?>
+<p:sld xmlns:a="http://schemas.openxmlformats.org/drawingml/2006/main" xmlns:r="http://schemas.openxmlformats.org/officeDocument/2006/relationships" xmlns:p="http://schemas.openxmlformats.org/presentationml/2006/main">
+  <p:cSld>
+    <p:spTree>
+      <p:nvGrpSpPr>
+        <p:cNvPr id="1" name=""/>
+        <p:cNvGrpSpPr/>
+        <p:nvPr/>
+      </p:nvGrpSpPr>
+      <p:grpSpPr>
+        <a:xfrm>
+          <a:off x="0" y="0"/>
+          <a:ext cx="0" cy="0"/>
+          <a:chOff x="0" y="0"/>
+          <a:chExt cx="0" cy="0"/>
+        </a:xfrm>
+      </p:grpSpPr>
+      <p:sp>
+        <p:nvSpPr>
+          <p:cNvPr id="2" name="Заголовок 1"/>
+          <p:cNvSpPr>
+            <a:spLocks noGrp="1"/>
+          </p:cNvSpPr>
+          <p:nvPr>
+            <p:ph type="title"/>
+          </p:nvPr>
+        </p:nvSpPr>
+        <p:spPr>
+          <a:xfrm>
+            <a:off x="685800" y="746759"/>
+            <a:ext cx="4114800" cy="612258"/>
+          </a:xfrm>
+        </p:spPr>
+        <p:txBody>
+          <a:bodyPr/>
+          <a:lstStyle/>
+          <a:p>
+            <a:r>
+              <a:rPr lang="ru-RU" dirty="0" err="1" smtClean="0">
+                <a:latin typeface="Arial Black" panose="020B0A04020102020204" pitchFamily="34" charset="0"/>
+              </a:rPr>
+              <a:t>Геймплей</a:t>
+            </a:r>
+            <a:endParaRPr lang="ru-RU" dirty="0">
+              <a:latin typeface="Arial Black" panose="020B0A04020102020204" pitchFamily="34" charset="0"/>
+            </a:endParaRPr>
+          </a:p>
+        </p:txBody>
+      </p:sp>
+      <p:pic>
+        <p:nvPicPr>
+          <p:cNvPr id="5" name="Объект 4"/>
+          <p:cNvPicPr>
+            <a:picLocks noGrp="1" noChangeAspect="1"/>
+          </p:cNvPicPr>
+          <p:nvPr>
+            <p:ph idx="1"/>
+          </p:nvPr>
+        </p:nvPicPr>
+        <p:blipFill>
+          <a:blip r:embed="rId2">
+            <a:extLst>
+              <a:ext uri="{28A0092B-C50C-407E-A947-70E740481C1C}">
+                <a14:useLocalDpi xmlns:a14="http://schemas.microsoft.com/office/drawing/2010/main" val="0"/>
+              </a:ext>
+            </a:extLst>
+          </a:blip>
+          <a:stretch>
+            <a:fillRect/>
+          </a:stretch>
+        </p:blipFill>
+        <p:spPr>
+          <a:xfrm>
+            <a:off x="4995863" y="1651149"/>
+            <a:ext cx="6510337" cy="3662064"/>
+          </a:xfrm>
+        </p:spPr>
+      </p:pic>
+      <p:sp>
+        <p:nvSpPr>
+          <p:cNvPr id="4" name="Текст 3"/>
+          <p:cNvSpPr>
+            <a:spLocks noGrp="1"/>
+          </p:cNvSpPr>
+          <p:nvPr>
+            <p:ph type="body" sz="half" idx="2"/>
+          </p:nvPr>
+        </p:nvSpPr>
+        <p:spPr>
+          <a:xfrm>
+            <a:off x="685800" y="1359016"/>
+            <a:ext cx="4114800" cy="4859667"/>
+          </a:xfrm>
+        </p:spPr>
+        <p:txBody>
+          <a:bodyPr>
+            <a:normAutofit/>
+          </a:bodyPr>
+          <a:lstStyle/>
+          <a:p>
+            <a:r>
+              <a:rPr lang="ru-RU" sz="2000" dirty="0" smtClean="0"/>
+              <a:t>Основной </a:t>
+            </a:r>
+            <a:r>
+              <a:rPr lang="ru-RU" sz="2000" dirty="0" err="1" smtClean="0"/>
+              <a:t>геймплей</a:t>
+            </a:r>
+            <a:r>
+              <a:rPr lang="ru-RU" sz="2000" dirty="0" smtClean="0"/>
+              <a:t> состоит в том, чтобы </a:t>
+            </a:r>
+            <a:r>
+              <a:rPr lang="ru-RU" sz="2000" dirty="0" err="1" smtClean="0"/>
+              <a:t>уворачиваться</a:t>
+            </a:r>
+            <a:r>
+              <a:rPr lang="ru-RU" sz="2000" dirty="0" smtClean="0"/>
+              <a:t> от монстров и их атак. При этом вы должны будете атаковать врагов двумя атаками.</a:t>
+            </a:r>
+          </a:p>
+          <a:p>
+            <a:r>
+              <a:rPr lang="ru-RU" sz="2000" dirty="0" smtClean="0"/>
+              <a:t>У атак имеются два вида. Первый вид – это обычный энергетический шар, который не требует </a:t>
+            </a:r>
+            <a:r>
+              <a:rPr lang="ru-RU" sz="2000" dirty="0" err="1" smtClean="0"/>
+              <a:t>ману</a:t>
+            </a:r>
+            <a:r>
+              <a:rPr lang="ru-RU" sz="2000" dirty="0" smtClean="0"/>
+              <a:t>. А второй вид – это огненный шар, который требует уже </a:t>
+            </a:r>
+            <a:r>
+              <a:rPr lang="ru-RU" sz="2000" dirty="0" err="1" smtClean="0"/>
+              <a:t>ману</a:t>
+            </a:r>
+            <a:r>
+              <a:rPr lang="ru-RU" sz="2000" dirty="0" smtClean="0"/>
+              <a:t>.</a:t>
+            </a:r>
+            <a:endParaRPr lang="ru-RU" sz="2000" dirty="0"/>
+          </a:p>
+        </p:txBody>
+      </p:sp>
+    </p:spTree>
+    <p:extLst>
+      <p:ext uri="{BB962C8B-B14F-4D97-AF65-F5344CB8AC3E}">
+        <p14:creationId xmlns:p14="http://schemas.microsoft.com/office/powerpoint/2010/main" val="3949351291"/>
       </p:ext>
     </p:extLst>
   </p:cSld>

--- a/Игра «Подземелье».pptx
+++ b/Игра «Подземелье».pptx
@@ -6,8 +6,9 @@
   </p:sldMasterIdLst>
   <p:sldIdLst>
     <p:sldId id="256" r:id="rId2"/>
-    <p:sldId id="257" r:id="rId3"/>
-    <p:sldId id="258" r:id="rId4"/>
+    <p:sldId id="259" r:id="rId3"/>
+    <p:sldId id="257" r:id="rId4"/>
+    <p:sldId id="258" r:id="rId5"/>
   </p:sldIdLst>
   <p:sldSz cx="12192000" cy="6858000"/>
   <p:notesSz cx="6858000" cy="9144000"/>
@@ -284,7 +285,7 @@
           <a:p>
             <a:fld id="{48A87A34-81AB-432B-8DAE-1953F412C126}" type="datetimeFigureOut">
               <a:rPr lang="en-US" dirty="0"/>
-              <a:t>1/16/2022</a:t>
+              <a:t>1/19/2022</a:t>
             </a:fld>
             <a:endParaRPr lang="en-US" dirty="0"/>
           </a:p>
@@ -546,7 +547,7 @@
           <a:p>
             <a:fld id="{48A87A34-81AB-432B-8DAE-1953F412C126}" type="datetimeFigureOut">
               <a:rPr lang="en-US" dirty="0"/>
-              <a:t>1/16/2022</a:t>
+              <a:t>1/19/2022</a:t>
             </a:fld>
             <a:endParaRPr lang="en-US" dirty="0"/>
           </a:p>
@@ -773,7 +774,7 @@
             <a:fld id="{48A87A34-81AB-432B-8DAE-1953F412C126}" type="datetimeFigureOut">
               <a:rPr lang="en-US" dirty="0"/>
               <a:pPr/>
-              <a:t>1/16/2022</a:t>
+              <a:t>1/19/2022</a:t>
             </a:fld>
             <a:endParaRPr lang="en-US" dirty="0"/>
           </a:p>
@@ -1079,7 +1080,7 @@
             <a:fld id="{48A87A34-81AB-432B-8DAE-1953F412C126}" type="datetimeFigureOut">
               <a:rPr lang="en-US" dirty="0"/>
               <a:pPr/>
-              <a:t>1/16/2022</a:t>
+              <a:t>1/19/2022</a:t>
             </a:fld>
             <a:endParaRPr lang="en-US" dirty="0"/>
           </a:p>
@@ -1548,7 +1549,7 @@
             <a:fld id="{48A87A34-81AB-432B-8DAE-1953F412C126}" type="datetimeFigureOut">
               <a:rPr lang="en-US" dirty="0"/>
               <a:pPr/>
-              <a:t>1/16/2022</a:t>
+              <a:t>1/19/2022</a:t>
             </a:fld>
             <a:endParaRPr lang="en-US" dirty="0"/>
           </a:p>
@@ -2090,7 +2091,7 @@
           <a:p>
             <a:fld id="{48A87A34-81AB-432B-8DAE-1953F412C126}" type="datetimeFigureOut">
               <a:rPr lang="en-US" dirty="0"/>
-              <a:t>1/16/2022</a:t>
+              <a:t>1/19/2022</a:t>
             </a:fld>
             <a:endParaRPr lang="en-US" dirty="0"/>
           </a:p>
@@ -2859,7 +2860,7 @@
           <a:p>
             <a:fld id="{48A87A34-81AB-432B-8DAE-1953F412C126}" type="datetimeFigureOut">
               <a:rPr lang="en-US" dirty="0"/>
-              <a:t>1/16/2022</a:t>
+              <a:t>1/19/2022</a:t>
             </a:fld>
             <a:endParaRPr lang="en-US" dirty="0"/>
           </a:p>
@@ -3029,7 +3030,7 @@
           <a:p>
             <a:fld id="{48A87A34-81AB-432B-8DAE-1953F412C126}" type="datetimeFigureOut">
               <a:rPr lang="en-US" dirty="0"/>
-              <a:t>1/16/2022</a:t>
+              <a:t>1/19/2022</a:t>
             </a:fld>
             <a:endParaRPr lang="en-US" dirty="0"/>
           </a:p>
@@ -3248,7 +3249,7 @@
             <a:fld id="{48A87A34-81AB-432B-8DAE-1953F412C126}" type="datetimeFigureOut">
               <a:rPr lang="en-US" dirty="0"/>
               <a:pPr/>
-              <a:t>1/16/2022</a:t>
+              <a:t>1/19/2022</a:t>
             </a:fld>
             <a:endParaRPr lang="en-US" dirty="0"/>
           </a:p>
@@ -3423,7 +3424,7 @@
           <a:p>
             <a:fld id="{48A87A34-81AB-432B-8DAE-1953F412C126}" type="datetimeFigureOut">
               <a:rPr lang="en-US" dirty="0"/>
-              <a:t>1/16/2022</a:t>
+              <a:t>1/19/2022</a:t>
             </a:fld>
             <a:endParaRPr lang="en-US" dirty="0"/>
           </a:p>
@@ -3708,7 +3709,7 @@
             <a:fld id="{48A87A34-81AB-432B-8DAE-1953F412C126}" type="datetimeFigureOut">
               <a:rPr lang="en-US" dirty="0"/>
               <a:pPr/>
-              <a:t>1/16/2022</a:t>
+              <a:t>1/19/2022</a:t>
             </a:fld>
             <a:endParaRPr lang="en-US" dirty="0"/>
           </a:p>
@@ -3945,7 +3946,7 @@
           <a:p>
             <a:fld id="{48A87A34-81AB-432B-8DAE-1953F412C126}" type="datetimeFigureOut">
               <a:rPr lang="en-US" dirty="0"/>
-              <a:t>1/16/2022</a:t>
+              <a:t>1/19/2022</a:t>
             </a:fld>
             <a:endParaRPr lang="en-US" dirty="0"/>
           </a:p>
@@ -4319,7 +4320,7 @@
           <a:p>
             <a:fld id="{48A87A34-81AB-432B-8DAE-1953F412C126}" type="datetimeFigureOut">
               <a:rPr lang="en-US" dirty="0"/>
-              <a:t>1/16/2022</a:t>
+              <a:t>1/19/2022</a:t>
             </a:fld>
             <a:endParaRPr lang="en-US" dirty="0"/>
           </a:p>
@@ -4432,7 +4433,7 @@
           <a:p>
             <a:fld id="{48A87A34-81AB-432B-8DAE-1953F412C126}" type="datetimeFigureOut">
               <a:rPr lang="en-US" dirty="0"/>
-              <a:t>1/16/2022</a:t>
+              <a:t>1/19/2022</a:t>
             </a:fld>
             <a:endParaRPr lang="en-US" dirty="0"/>
           </a:p>
@@ -4522,7 +4523,7 @@
           <a:p>
             <a:fld id="{48A87A34-81AB-432B-8DAE-1953F412C126}" type="datetimeFigureOut">
               <a:rPr lang="en-US" dirty="0"/>
-              <a:t>1/16/2022</a:t>
+              <a:t>1/19/2022</a:t>
             </a:fld>
             <a:endParaRPr lang="en-US" dirty="0"/>
           </a:p>
@@ -4766,7 +4767,7 @@
           <a:p>
             <a:fld id="{48A87A34-81AB-432B-8DAE-1953F412C126}" type="datetimeFigureOut">
               <a:rPr lang="en-US" dirty="0"/>
-              <a:t>1/16/2022</a:t>
+              <a:t>1/19/2022</a:t>
             </a:fld>
             <a:endParaRPr lang="en-US" dirty="0"/>
           </a:p>
@@ -5018,7 +5019,7 @@
           <a:p>
             <a:fld id="{48A87A34-81AB-432B-8DAE-1953F412C126}" type="datetimeFigureOut">
               <a:rPr lang="en-US" dirty="0"/>
-              <a:t>1/16/2022</a:t>
+              <a:t>1/19/2022</a:t>
             </a:fld>
             <a:endParaRPr lang="en-US" dirty="0"/>
           </a:p>
@@ -5257,7 +5258,7 @@
             <a:fld id="{48A87A34-81AB-432B-8DAE-1953F412C126}" type="datetimeFigureOut">
               <a:rPr lang="en-US" dirty="0"/>
               <a:pPr/>
-              <a:t>1/16/2022</a:t>
+              <a:t>1/19/2022</a:t>
             </a:fld>
             <a:endParaRPr lang="en-US" dirty="0"/>
           </a:p>
@@ -5716,6 +5717,13 @@
   <p:clrMapOvr>
     <a:masterClrMapping/>
   </p:clrMapOvr>
+  <p:timing>
+    <p:tnLst>
+      <p:par>
+        <p:cTn id="1" dur="indefinite" restart="never" nodeType="tmRoot"/>
+      </p:par>
+    </p:tnLst>
+  </p:timing>
 </p:sld>
 </file>
 
@@ -5748,105 +5756,42 @@
         </p:nvSpPr>
         <p:spPr>
           <a:xfrm>
-            <a:off x="685800" y="746759"/>
-            <a:ext cx="4114800" cy="939428"/>
+            <a:off x="1796642" y="932152"/>
+            <a:ext cx="8610600" cy="4839473"/>
           </a:xfrm>
         </p:spPr>
         <p:txBody>
           <a:bodyPr>
-            <a:normAutofit fontScale="90000"/>
+            <a:normAutofit/>
           </a:bodyPr>
           <a:lstStyle/>
           <a:p>
-            <a:r>
-              <a:rPr lang="ru-RU" dirty="0" smtClean="0">
-                <a:latin typeface="Arial Black" panose="020B0A04020102020204" pitchFamily="34" charset="0"/>
-              </a:rPr>
-              <a:t>Основной Сюжет</a:t>
-            </a:r>
-            <a:endParaRPr lang="ru-RU" dirty="0">
-              <a:latin typeface="Arial Black" panose="020B0A04020102020204" pitchFamily="34" charset="0"/>
-            </a:endParaRPr>
-          </a:p>
-        </p:txBody>
-      </p:sp>
-      <p:pic>
-        <p:nvPicPr>
-          <p:cNvPr id="5" name="Объект 4"/>
-          <p:cNvPicPr>
-            <a:picLocks noGrp="1" noChangeAspect="1"/>
-          </p:cNvPicPr>
-          <p:nvPr>
-            <p:ph idx="1"/>
-          </p:nvPr>
-        </p:nvPicPr>
-        <p:blipFill>
-          <a:blip r:embed="rId2">
-            <a:extLst>
-              <a:ext uri="{28A0092B-C50C-407E-A947-70E740481C1C}">
-                <a14:useLocalDpi xmlns:a14="http://schemas.microsoft.com/office/drawing/2010/main" val="0"/>
-              </a:ext>
-            </a:extLst>
-          </a:blip>
-          <a:stretch>
-            <a:fillRect/>
-          </a:stretch>
-        </p:blipFill>
-        <p:spPr>
-          <a:xfrm>
-            <a:off x="4920362" y="1567259"/>
-            <a:ext cx="6510337" cy="3662064"/>
-          </a:xfrm>
-        </p:spPr>
-      </p:pic>
-      <p:sp>
-        <p:nvSpPr>
-          <p:cNvPr id="4" name="Текст 3"/>
-          <p:cNvSpPr>
-            <a:spLocks noGrp="1"/>
-          </p:cNvSpPr>
-          <p:nvPr>
-            <p:ph type="body" sz="half" idx="2"/>
-          </p:nvPr>
-        </p:nvSpPr>
-        <p:spPr>
-          <a:xfrm>
-            <a:off x="685800" y="1686187"/>
-            <a:ext cx="4114800" cy="4532497"/>
-          </a:xfrm>
-        </p:spPr>
-        <p:txBody>
-          <a:bodyPr>
-            <a:noAutofit/>
-          </a:bodyPr>
-          <a:lstStyle/>
-          <a:p>
-            <a:r>
-              <a:rPr lang="ru-RU" sz="2400" dirty="0" smtClean="0"/>
-              <a:t>Главный герой по случайным обстоятельствам попадает в подземелье и из </a:t>
-            </a:r>
-            <a:r>
-              <a:rPr lang="ru-RU" sz="2400" dirty="0"/>
-              <a:t>б</a:t>
-            </a:r>
-            <a:r>
-              <a:rPr lang="ru-RU" sz="2400" dirty="0" smtClean="0"/>
-              <a:t>езысходности решает пройти его. Но после первой смерти он замечает, что он вернулся в самое начало подземелья. И так он оказывается в ловушки подземелья «времени».</a:t>
-            </a:r>
-            <a:endParaRPr lang="ru-RU" sz="2400" dirty="0"/>
+            <a:pPr algn="ctr"/>
+            <a:r>
+              <a:rPr lang="ru-RU" dirty="0" smtClean="0"/>
+              <a:t>Цель игры состоит в том, чтобы пройти подземелье, не умерев.</a:t>
+            </a:r>
+            <a:endParaRPr lang="ru-RU" dirty="0"/>
           </a:p>
         </p:txBody>
       </p:sp>
     </p:spTree>
     <p:extLst>
       <p:ext uri="{BB962C8B-B14F-4D97-AF65-F5344CB8AC3E}">
-        <p14:creationId xmlns:p14="http://schemas.microsoft.com/office/powerpoint/2010/main" val="2119753765"/>
+        <p14:creationId xmlns:p14="http://schemas.microsoft.com/office/powerpoint/2010/main" val="3201910376"/>
       </p:ext>
     </p:extLst>
   </p:cSld>
   <p:clrMapOvr>
     <a:masterClrMapping/>
   </p:clrMapOvr>
+  <p:timing>
+    <p:tnLst>
+      <p:par>
+        <p:cTn id="1" dur="indefinite" restart="never" nodeType="tmRoot"/>
+      </p:par>
+    </p:tnLst>
+  </p:timing>
 </p:sld>
 </file>
 
@@ -5880,18 +5825,20 @@
         <p:spPr>
           <a:xfrm>
             <a:off x="685800" y="746759"/>
-            <a:ext cx="4114800" cy="612258"/>
-          </a:xfrm>
-        </p:spPr>
-        <p:txBody>
-          <a:bodyPr/>
-          <a:lstStyle/>
-          <a:p>
-            <a:r>
-              <a:rPr lang="ru-RU" dirty="0" err="1" smtClean="0">
+            <a:ext cx="4114800" cy="939428"/>
+          </a:xfrm>
+        </p:spPr>
+        <p:txBody>
+          <a:bodyPr>
+            <a:normAutofit fontScale="90000"/>
+          </a:bodyPr>
+          <a:lstStyle/>
+          <a:p>
+            <a:r>
+              <a:rPr lang="ru-RU" dirty="0" smtClean="0">
                 <a:latin typeface="Arial Black" panose="020B0A04020102020204" pitchFamily="34" charset="0"/>
               </a:rPr>
-              <a:t>Геймплей</a:t>
+              <a:t>Основной Сюжет</a:t>
             </a:r>
             <a:endParaRPr lang="ru-RU" dirty="0">
               <a:latin typeface="Arial Black" panose="020B0A04020102020204" pitchFamily="34" charset="0"/>
@@ -5923,6 +5870,142 @@
         </p:blipFill>
         <p:spPr>
           <a:xfrm>
+            <a:off x="4920362" y="1567259"/>
+            <a:ext cx="6510337" cy="3662064"/>
+          </a:xfrm>
+        </p:spPr>
+      </p:pic>
+      <p:sp>
+        <p:nvSpPr>
+          <p:cNvPr id="4" name="Текст 3"/>
+          <p:cNvSpPr>
+            <a:spLocks noGrp="1"/>
+          </p:cNvSpPr>
+          <p:nvPr>
+            <p:ph type="body" sz="half" idx="2"/>
+          </p:nvPr>
+        </p:nvSpPr>
+        <p:spPr>
+          <a:xfrm>
+            <a:off x="685800" y="1686187"/>
+            <a:ext cx="4114800" cy="4532497"/>
+          </a:xfrm>
+        </p:spPr>
+        <p:txBody>
+          <a:bodyPr>
+            <a:noAutofit/>
+          </a:bodyPr>
+          <a:lstStyle/>
+          <a:p>
+            <a:r>
+              <a:rPr lang="ru-RU" sz="2400" dirty="0" smtClean="0"/>
+              <a:t>Главный герой по случайным обстоятельствам попадает в подземелье и из </a:t>
+            </a:r>
+            <a:r>
+              <a:rPr lang="ru-RU" sz="2400" dirty="0"/>
+              <a:t>б</a:t>
+            </a:r>
+            <a:r>
+              <a:rPr lang="ru-RU" sz="2400" dirty="0" smtClean="0"/>
+              <a:t>езысходности решает пройти его. Но после первой смерти он замечает, что он вернулся в самое начало подземелья. И так он оказывается в ловушки подземелья «времени».</a:t>
+            </a:r>
+            <a:endParaRPr lang="ru-RU" sz="2400" dirty="0"/>
+          </a:p>
+        </p:txBody>
+      </p:sp>
+    </p:spTree>
+    <p:extLst>
+      <p:ext uri="{BB962C8B-B14F-4D97-AF65-F5344CB8AC3E}">
+        <p14:creationId xmlns:p14="http://schemas.microsoft.com/office/powerpoint/2010/main" val="2119753765"/>
+      </p:ext>
+    </p:extLst>
+  </p:cSld>
+  <p:clrMapOvr>
+    <a:masterClrMapping/>
+  </p:clrMapOvr>
+  <p:timing>
+    <p:tnLst>
+      <p:par>
+        <p:cTn id="1" dur="indefinite" restart="never" nodeType="tmRoot"/>
+      </p:par>
+    </p:tnLst>
+  </p:timing>
+</p:sld>
+</file>
+
+<file path=ppt/slides/slide4.xml><?xml version="1.0" encoding="utf-8"?>
+<p:sld xmlns:a="http://schemas.openxmlformats.org/drawingml/2006/main" xmlns:r="http://schemas.openxmlformats.org/officeDocument/2006/relationships" xmlns:p="http://schemas.openxmlformats.org/presentationml/2006/main">
+  <p:cSld>
+    <p:spTree>
+      <p:nvGrpSpPr>
+        <p:cNvPr id="1" name=""/>
+        <p:cNvGrpSpPr/>
+        <p:nvPr/>
+      </p:nvGrpSpPr>
+      <p:grpSpPr>
+        <a:xfrm>
+          <a:off x="0" y="0"/>
+          <a:ext cx="0" cy="0"/>
+          <a:chOff x="0" y="0"/>
+          <a:chExt cx="0" cy="0"/>
+        </a:xfrm>
+      </p:grpSpPr>
+      <p:sp>
+        <p:nvSpPr>
+          <p:cNvPr id="2" name="Заголовок 1"/>
+          <p:cNvSpPr>
+            <a:spLocks noGrp="1"/>
+          </p:cNvSpPr>
+          <p:nvPr>
+            <p:ph type="title"/>
+          </p:nvPr>
+        </p:nvSpPr>
+        <p:spPr>
+          <a:xfrm>
+            <a:off x="685800" y="746759"/>
+            <a:ext cx="4114800" cy="612258"/>
+          </a:xfrm>
+        </p:spPr>
+        <p:txBody>
+          <a:bodyPr/>
+          <a:lstStyle/>
+          <a:p>
+            <a:r>
+              <a:rPr lang="ru-RU" dirty="0" err="1" smtClean="0">
+                <a:latin typeface="Arial Black" panose="020B0A04020102020204" pitchFamily="34" charset="0"/>
+              </a:rPr>
+              <a:t>Геймплей</a:t>
+            </a:r>
+            <a:endParaRPr lang="ru-RU" dirty="0">
+              <a:latin typeface="Arial Black" panose="020B0A04020102020204" pitchFamily="34" charset="0"/>
+            </a:endParaRPr>
+          </a:p>
+        </p:txBody>
+      </p:sp>
+      <p:pic>
+        <p:nvPicPr>
+          <p:cNvPr id="5" name="Объект 4"/>
+          <p:cNvPicPr>
+            <a:picLocks noGrp="1" noChangeAspect="1"/>
+          </p:cNvPicPr>
+          <p:nvPr>
+            <p:ph idx="1"/>
+          </p:nvPr>
+        </p:nvPicPr>
+        <p:blipFill>
+          <a:blip r:embed="rId2">
+            <a:extLst>
+              <a:ext uri="{28A0092B-C50C-407E-A947-70E740481C1C}">
+                <a14:useLocalDpi xmlns:a14="http://schemas.microsoft.com/office/drawing/2010/main" val="0"/>
+              </a:ext>
+            </a:extLst>
+          </a:blip>
+          <a:stretch>
+            <a:fillRect/>
+          </a:stretch>
+        </p:blipFill>
+        <p:spPr>
+          <a:xfrm>
             <a:off x="4995863" y="1651149"/>
             <a:ext cx="6510337" cy="3662064"/>
           </a:xfrm>
@@ -6006,6 +6089,13 @@
   <p:clrMapOvr>
     <a:masterClrMapping/>
   </p:clrMapOvr>
+  <p:timing>
+    <p:tnLst>
+      <p:par>
+        <p:cTn id="1" dur="indefinite" restart="never" nodeType="tmRoot"/>
+      </p:par>
+    </p:tnLst>
+  </p:timing>
 </p:sld>
 </file>
 
